--- a/工作日報_葉柏漢/2022.01/2021.01.10(加班)_2022.01.11工作日報_葉柏漢.pptx
+++ b/工作日報_葉柏漢/2022.01/2021.01.10(加班)_2022.01.11工作日報_葉柏漢.pptx
@@ -114,7 +114,7 @@
   </p:defaultTextStyle>
   <p:extLst>
     <p:ext uri="{EFAFB233-063F-42B5-8137-9DF3F51BA10A}">
-      <p15:sldGuideLst xmlns:p15="http://schemas.microsoft.com/office/powerpoint/2012/main" xmlns="">
+      <p15:sldGuideLst xmlns="" xmlns:p15="http://schemas.microsoft.com/office/powerpoint/2012/main">
         <p15:guide id="1" orient="horz" pos="2160" userDrawn="1">
           <p15:clr>
             <a:srgbClr val="A4A3A4"/>
@@ -213,7 +213,7 @@
           <a:p>
             <a:fld id="{5F45278C-940B-4C39-9CBC-669F45D4F0E2}" type="datetimeFigureOut">
               <a:rPr lang="zh-CN" altLang="en-US" smtClean="0"/>
-              <a:t>2022/1/11</a:t>
+              <a:t>2022/1/12</a:t>
             </a:fld>
             <a:endParaRPr lang="zh-CN" altLang="en-US"/>
           </a:p>
@@ -778,7 +778,7 @@
           <a:p>
             <a:fld id="{D997B5FA-0921-464F-AAE1-844C04324D75}" type="datetimeFigureOut">
               <a:rPr lang="zh-CN" altLang="en-US" smtClean="0"/>
-              <a:t>2022/1/11</a:t>
+              <a:t>2022/1/12</a:t>
             </a:fld>
             <a:endParaRPr lang="zh-CN" altLang="en-US"/>
           </a:p>
@@ -958,7 +958,7 @@
           <a:p>
             <a:fld id="{D997B5FA-0921-464F-AAE1-844C04324D75}" type="datetimeFigureOut">
               <a:rPr lang="zh-CN" altLang="en-US" smtClean="0"/>
-              <a:t>2022/1/11</a:t>
+              <a:t>2022/1/12</a:t>
             </a:fld>
             <a:endParaRPr lang="zh-CN" altLang="en-US"/>
           </a:p>
@@ -1148,7 +1148,7 @@
           <a:p>
             <a:fld id="{D997B5FA-0921-464F-AAE1-844C04324D75}" type="datetimeFigureOut">
               <a:rPr lang="zh-CN" altLang="en-US" smtClean="0"/>
-              <a:t>2022/1/11</a:t>
+              <a:t>2022/1/12</a:t>
             </a:fld>
             <a:endParaRPr lang="zh-CN" altLang="en-US"/>
           </a:p>
@@ -1359,7 +1359,7 @@
                 </a:solidFill>
               </a:rPr>
               <a:pPr/>
-              <a:t>2022/1/11</a:t>
+              <a:t>2022/1/12</a:t>
             </a:fld>
             <a:endParaRPr lang="zh-CN" altLang="en-US">
               <a:solidFill>
@@ -1591,7 +1591,7 @@
                 </a:solidFill>
               </a:rPr>
               <a:pPr/>
-              <a:t>2022/1/11</a:t>
+              <a:t>2022/1/12</a:t>
             </a:fld>
             <a:endParaRPr lang="zh-CN" altLang="en-US">
               <a:solidFill>
@@ -1822,7 +1822,7 @@
           <a:p>
             <a:fld id="{D997B5FA-0921-464F-AAE1-844C04324D75}" type="datetimeFigureOut">
               <a:rPr lang="zh-CN" altLang="en-US" smtClean="0"/>
-              <a:t>2022/1/11</a:t>
+              <a:t>2022/1/12</a:t>
             </a:fld>
             <a:endParaRPr lang="zh-CN" altLang="en-US"/>
           </a:p>
@@ -2079,7 +2079,7 @@
           <a:p>
             <a:fld id="{D997B5FA-0921-464F-AAE1-844C04324D75}" type="datetimeFigureOut">
               <a:rPr lang="zh-CN" altLang="en-US" smtClean="0"/>
-              <a:t>2022/1/11</a:t>
+              <a:t>2022/1/12</a:t>
             </a:fld>
             <a:endParaRPr lang="zh-CN" altLang="en-US"/>
           </a:p>
@@ -2320,7 +2320,7 @@
           <a:p>
             <a:fld id="{D997B5FA-0921-464F-AAE1-844C04324D75}" type="datetimeFigureOut">
               <a:rPr lang="zh-CN" altLang="en-US" smtClean="0"/>
-              <a:t>2022/1/11</a:t>
+              <a:t>2022/1/12</a:t>
             </a:fld>
             <a:endParaRPr lang="zh-CN" altLang="en-US"/>
           </a:p>
@@ -2696,7 +2696,7 @@
           <a:p>
             <a:fld id="{D997B5FA-0921-464F-AAE1-844C04324D75}" type="datetimeFigureOut">
               <a:rPr lang="zh-CN" altLang="en-US" smtClean="0"/>
-              <a:t>2022/1/11</a:t>
+              <a:t>2022/1/12</a:t>
             </a:fld>
             <a:endParaRPr lang="zh-CN" altLang="en-US"/>
           </a:p>
@@ -2950,7 +2950,7 @@
           <a:p>
             <a:fld id="{D997B5FA-0921-464F-AAE1-844C04324D75}" type="datetimeFigureOut">
               <a:rPr lang="zh-CN" altLang="en-US" smtClean="0"/>
-              <a:t>2022/1/11</a:t>
+              <a:t>2022/1/12</a:t>
             </a:fld>
             <a:endParaRPr lang="zh-CN" altLang="en-US"/>
           </a:p>
@@ -3057,7 +3057,7 @@
           <a:p>
             <a:fld id="{D997B5FA-0921-464F-AAE1-844C04324D75}" type="datetimeFigureOut">
               <a:rPr lang="zh-CN" altLang="en-US" smtClean="0"/>
-              <a:t>2022/1/11</a:t>
+              <a:t>2022/1/12</a:t>
             </a:fld>
             <a:endParaRPr lang="zh-CN" altLang="en-US"/>
           </a:p>
@@ -3344,7 +3344,7 @@
           <a:p>
             <a:fld id="{D997B5FA-0921-464F-AAE1-844C04324D75}" type="datetimeFigureOut">
               <a:rPr lang="zh-CN" altLang="en-US" smtClean="0"/>
-              <a:t>2022/1/11</a:t>
+              <a:t>2022/1/12</a:t>
             </a:fld>
             <a:endParaRPr lang="zh-CN" altLang="en-US"/>
           </a:p>
@@ -3608,7 +3608,7 @@
           <a:p>
             <a:fld id="{D997B5FA-0921-464F-AAE1-844C04324D75}" type="datetimeFigureOut">
               <a:rPr lang="zh-CN" altLang="en-US" smtClean="0"/>
-              <a:t>2022/1/11</a:t>
+              <a:t>2022/1/12</a:t>
             </a:fld>
             <a:endParaRPr lang="zh-CN" altLang="en-US"/>
           </a:p>
@@ -3834,7 +3834,7 @@
           <a:p>
             <a:fld id="{D997B5FA-0921-464F-AAE1-844C04324D75}" type="datetimeFigureOut">
               <a:rPr lang="zh-CN" altLang="en-US" smtClean="0"/>
-              <a:t>2022/1/11</a:t>
+              <a:t>2022/1/12</a:t>
             </a:fld>
             <a:endParaRPr lang="zh-CN" altLang="en-US"/>
           </a:p>
@@ -4544,7 +4544,7 @@
           <p:cNvPr id="18" name="矩形: 圆角 17">
             <a:extLst>
               <a:ext uri="{FF2B5EF4-FFF2-40B4-BE49-F238E27FC236}">
-                <a16:creationId xmlns:a16="http://schemas.microsoft.com/office/drawing/2014/main" xmlns="" id="{822EAB1A-0613-4B84-B43A-020769A84C2F}"/>
+                <a16:creationId xmlns="" xmlns:a16="http://schemas.microsoft.com/office/drawing/2014/main" id="{822EAB1A-0613-4B84-B43A-020769A84C2F}"/>
               </a:ext>
             </a:extLst>
           </p:cNvPr>
@@ -4610,7 +4610,7 @@
           <p:cNvPr id="4" name="矩形: 圆角 3">
             <a:extLst>
               <a:ext uri="{FF2B5EF4-FFF2-40B4-BE49-F238E27FC236}">
-                <a16:creationId xmlns:a16="http://schemas.microsoft.com/office/drawing/2014/main" xmlns="" id="{CFAF4C25-9AB4-4329-B21C-0F7CB88F0784}"/>
+                <a16:creationId xmlns="" xmlns:a16="http://schemas.microsoft.com/office/drawing/2014/main" id="{CFAF4C25-9AB4-4329-B21C-0F7CB88F0784}"/>
               </a:ext>
             </a:extLst>
           </p:cNvPr>
@@ -4676,7 +4676,7 @@
           <p:cNvPr id="5" name="文本框 4">
             <a:extLst>
               <a:ext uri="{FF2B5EF4-FFF2-40B4-BE49-F238E27FC236}">
-                <a16:creationId xmlns:a16="http://schemas.microsoft.com/office/drawing/2014/main" xmlns="" id="{959F8909-6800-4D81-9559-FFAEB41A80C1}"/>
+                <a16:creationId xmlns="" xmlns:a16="http://schemas.microsoft.com/office/drawing/2014/main" id="{959F8909-6800-4D81-9559-FFAEB41A80C1}"/>
               </a:ext>
             </a:extLst>
           </p:cNvPr>
@@ -4754,7 +4754,7 @@
           <p:cNvPr id="6" name="文本框 5">
             <a:extLst>
               <a:ext uri="{FF2B5EF4-FFF2-40B4-BE49-F238E27FC236}">
-                <a16:creationId xmlns:a16="http://schemas.microsoft.com/office/drawing/2014/main" xmlns="" id="{F8829203-F363-4337-ACAC-0D2C4AE6A337}"/>
+                <a16:creationId xmlns="" xmlns:a16="http://schemas.microsoft.com/office/drawing/2014/main" id="{F8829203-F363-4337-ACAC-0D2C4AE6A337}"/>
               </a:ext>
             </a:extLst>
           </p:cNvPr>
@@ -4821,7 +4821,7 @@
           <p:cNvPr id="8" name="椭圆 7">
             <a:extLst>
               <a:ext uri="{FF2B5EF4-FFF2-40B4-BE49-F238E27FC236}">
-                <a16:creationId xmlns:a16="http://schemas.microsoft.com/office/drawing/2014/main" xmlns="" id="{08B93554-9443-4291-83BC-91BEC5088783}"/>
+                <a16:creationId xmlns="" xmlns:a16="http://schemas.microsoft.com/office/drawing/2014/main" id="{08B93554-9443-4291-83BC-91BEC5088783}"/>
               </a:ext>
             </a:extLst>
           </p:cNvPr>
@@ -4883,7 +4883,7 @@
           <p:cNvPr id="9" name="椭圆 8">
             <a:extLst>
               <a:ext uri="{FF2B5EF4-FFF2-40B4-BE49-F238E27FC236}">
-                <a16:creationId xmlns:a16="http://schemas.microsoft.com/office/drawing/2014/main" xmlns="" id="{16338DEE-2916-4AC7-A537-1507B9F2A824}"/>
+                <a16:creationId xmlns="" xmlns:a16="http://schemas.microsoft.com/office/drawing/2014/main" id="{16338DEE-2916-4AC7-A537-1507B9F2A824}"/>
               </a:ext>
             </a:extLst>
           </p:cNvPr>
@@ -4945,7 +4945,7 @@
           <p:cNvPr id="13" name="组合 12">
             <a:extLst>
               <a:ext uri="{FF2B5EF4-FFF2-40B4-BE49-F238E27FC236}">
-                <a16:creationId xmlns:a16="http://schemas.microsoft.com/office/drawing/2014/main" xmlns="" id="{C0EF9AE3-F1B9-443C-9F86-CDF322936010}"/>
+                <a16:creationId xmlns="" xmlns:a16="http://schemas.microsoft.com/office/drawing/2014/main" id="{C0EF9AE3-F1B9-443C-9F86-CDF322936010}"/>
               </a:ext>
             </a:extLst>
           </p:cNvPr>
@@ -4965,7 +4965,7 @@
             <p:cNvPr id="12" name="矩形: 圆角 11">
               <a:extLst>
                 <a:ext uri="{FF2B5EF4-FFF2-40B4-BE49-F238E27FC236}">
-                  <a16:creationId xmlns:a16="http://schemas.microsoft.com/office/drawing/2014/main" xmlns="" id="{4E9D624C-B884-49D6-955A-058878E5E13C}"/>
+                  <a16:creationId xmlns="" xmlns:a16="http://schemas.microsoft.com/office/drawing/2014/main" id="{4E9D624C-B884-49D6-955A-058878E5E13C}"/>
                 </a:ext>
               </a:extLst>
             </p:cNvPr>
@@ -5029,7 +5029,7 @@
             <p:cNvPr id="10" name="文本框 9">
               <a:extLst>
                 <a:ext uri="{FF2B5EF4-FFF2-40B4-BE49-F238E27FC236}">
-                  <a16:creationId xmlns:a16="http://schemas.microsoft.com/office/drawing/2014/main" xmlns="" id="{D7F488F0-218D-4123-B444-742EAD00AD0E}"/>
+                  <a16:creationId xmlns="" xmlns:a16="http://schemas.microsoft.com/office/drawing/2014/main" id="{D7F488F0-218D-4123-B444-742EAD00AD0E}"/>
                 </a:ext>
               </a:extLst>
             </p:cNvPr>
@@ -5087,7 +5087,7 @@
           <p:cNvPr id="16" name="组合 15">
             <a:extLst>
               <a:ext uri="{FF2B5EF4-FFF2-40B4-BE49-F238E27FC236}">
-                <a16:creationId xmlns:a16="http://schemas.microsoft.com/office/drawing/2014/main" xmlns="" id="{9653DEAF-0910-48E8-8375-9FC078E9D0D6}"/>
+                <a16:creationId xmlns="" xmlns:a16="http://schemas.microsoft.com/office/drawing/2014/main" id="{9653DEAF-0910-48E8-8375-9FC078E9D0D6}"/>
               </a:ext>
             </a:extLst>
           </p:cNvPr>
@@ -5107,7 +5107,7 @@
             <p:cNvPr id="15" name="矩形: 圆角 14">
               <a:extLst>
                 <a:ext uri="{FF2B5EF4-FFF2-40B4-BE49-F238E27FC236}">
-                  <a16:creationId xmlns:a16="http://schemas.microsoft.com/office/drawing/2014/main" xmlns="" id="{CC29E14A-0550-4BFF-99D2-A94938E4EB84}"/>
+                  <a16:creationId xmlns="" xmlns:a16="http://schemas.microsoft.com/office/drawing/2014/main" id="{CC29E14A-0550-4BFF-99D2-A94938E4EB84}"/>
                 </a:ext>
               </a:extLst>
             </p:cNvPr>
@@ -5171,7 +5171,7 @@
             <p:cNvPr id="11" name="文本框 10">
               <a:extLst>
                 <a:ext uri="{FF2B5EF4-FFF2-40B4-BE49-F238E27FC236}">
-                  <a16:creationId xmlns:a16="http://schemas.microsoft.com/office/drawing/2014/main" xmlns="" id="{333307C3-A861-42E7-A2DA-6BAC1BCA9E3C}"/>
+                  <a16:creationId xmlns="" xmlns:a16="http://schemas.microsoft.com/office/drawing/2014/main" id="{333307C3-A861-42E7-A2DA-6BAC1BCA9E3C}"/>
                 </a:ext>
               </a:extLst>
             </p:cNvPr>
@@ -5229,7 +5229,7 @@
           <p:cNvPr id="17" name="组合 15">
             <a:extLst>
               <a:ext uri="{FF2B5EF4-FFF2-40B4-BE49-F238E27FC236}">
-                <a16:creationId xmlns:a16="http://schemas.microsoft.com/office/drawing/2014/main" xmlns="" id="{9653DEAF-0910-48E8-8375-9FC078E9D0D6}"/>
+                <a16:creationId xmlns="" xmlns:a16="http://schemas.microsoft.com/office/drawing/2014/main" id="{9653DEAF-0910-48E8-8375-9FC078E9D0D6}"/>
               </a:ext>
             </a:extLst>
           </p:cNvPr>
@@ -5249,7 +5249,7 @@
             <p:cNvPr id="19" name="矩形: 圆角 14">
               <a:extLst>
                 <a:ext uri="{FF2B5EF4-FFF2-40B4-BE49-F238E27FC236}">
-                  <a16:creationId xmlns:a16="http://schemas.microsoft.com/office/drawing/2014/main" xmlns="" id="{CC29E14A-0550-4BFF-99D2-A94938E4EB84}"/>
+                  <a16:creationId xmlns="" xmlns:a16="http://schemas.microsoft.com/office/drawing/2014/main" id="{CC29E14A-0550-4BFF-99D2-A94938E4EB84}"/>
                 </a:ext>
               </a:extLst>
             </p:cNvPr>
@@ -5313,7 +5313,7 @@
             <p:cNvPr id="20" name="文本框 10">
               <a:extLst>
                 <a:ext uri="{FF2B5EF4-FFF2-40B4-BE49-F238E27FC236}">
-                  <a16:creationId xmlns:a16="http://schemas.microsoft.com/office/drawing/2014/main" xmlns="" id="{333307C3-A861-42E7-A2DA-6BAC1BCA9E3C}"/>
+                  <a16:creationId xmlns="" xmlns:a16="http://schemas.microsoft.com/office/drawing/2014/main" id="{333307C3-A861-42E7-A2DA-6BAC1BCA9E3C}"/>
                 </a:ext>
               </a:extLst>
             </p:cNvPr>
@@ -5406,7 +5406,7 @@
         <p:random/>
       </p:transition>
     </mc:Choice>
-    <mc:Fallback xmlns="" xmlns:a16="http://schemas.microsoft.com/office/drawing/2014/main">
+    <mc:Fallback xmlns:a16="http://schemas.microsoft.com/office/drawing/2014/main" xmlns="">
       <p:transition spd="slow" advTm="4078">
         <p:random/>
       </p:transition>
@@ -5863,7 +5863,7 @@
           <p:cNvPr id="7" name="组合 6">
             <a:extLst>
               <a:ext uri="{FF2B5EF4-FFF2-40B4-BE49-F238E27FC236}">
-                <a16:creationId xmlns:a16="http://schemas.microsoft.com/office/drawing/2014/main" xmlns="" id="{5016DF47-4C78-4917-983C-FFC43C3A22DB}"/>
+                <a16:creationId xmlns="" xmlns:a16="http://schemas.microsoft.com/office/drawing/2014/main" id="{5016DF47-4C78-4917-983C-FFC43C3A22DB}"/>
               </a:ext>
             </a:extLst>
           </p:cNvPr>
@@ -5883,7 +5883,7 @@
             <p:cNvPr id="4" name="文本框 3">
               <a:extLst>
                 <a:ext uri="{FF2B5EF4-FFF2-40B4-BE49-F238E27FC236}">
-                  <a16:creationId xmlns:a16="http://schemas.microsoft.com/office/drawing/2014/main" xmlns="" id="{09FE6907-8676-429A-9B5A-DC3FAFE110A8}"/>
+                  <a16:creationId xmlns="" xmlns:a16="http://schemas.microsoft.com/office/drawing/2014/main" id="{09FE6907-8676-429A-9B5A-DC3FAFE110A8}"/>
                 </a:ext>
               </a:extLst>
             </p:cNvPr>
@@ -5925,7 +5925,7 @@
             <p:cNvPr id="6" name="文本框 5">
               <a:extLst>
                 <a:ext uri="{FF2B5EF4-FFF2-40B4-BE49-F238E27FC236}">
-                  <a16:creationId xmlns:a16="http://schemas.microsoft.com/office/drawing/2014/main" xmlns="" id="{6123FD62-F930-464F-86A1-4D1030B58358}"/>
+                  <a16:creationId xmlns="" xmlns:a16="http://schemas.microsoft.com/office/drawing/2014/main" id="{6123FD62-F930-464F-86A1-4D1030B58358}"/>
                 </a:ext>
               </a:extLst>
             </p:cNvPr>
@@ -5982,7 +5982,7 @@
           <p:cNvPr id="8" name="文本框 7">
             <a:extLst>
               <a:ext uri="{FF2B5EF4-FFF2-40B4-BE49-F238E27FC236}">
-                <a16:creationId xmlns:a16="http://schemas.microsoft.com/office/drawing/2014/main" xmlns="" id="{61D68AC2-6217-4618-9FF2-2840E7AAD8C2}"/>
+                <a16:creationId xmlns="" xmlns:a16="http://schemas.microsoft.com/office/drawing/2014/main" id="{61D68AC2-6217-4618-9FF2-2840E7AAD8C2}"/>
               </a:ext>
             </a:extLst>
           </p:cNvPr>
@@ -6116,7 +6116,7 @@
         <p:random/>
       </p:transition>
     </mc:Choice>
-    <mc:Fallback xmlns="" xmlns:a16="http://schemas.microsoft.com/office/drawing/2014/main" xmlns:a14="http://schemas.microsoft.com/office/drawing/2010/main">
+    <mc:Fallback xmlns:a14="http://schemas.microsoft.com/office/drawing/2010/main" xmlns:a16="http://schemas.microsoft.com/office/drawing/2014/main" xmlns="">
       <p:transition spd="slow" advTm="4024">
         <p:random/>
       </p:transition>
@@ -6286,7 +6286,7 @@
           <p:cNvPr id="2" name="矩形 1">
             <a:extLst>
               <a:ext uri="{FF2B5EF4-FFF2-40B4-BE49-F238E27FC236}">
-                <a16:creationId xmlns="" xmlns:a16="http://schemas.microsoft.com/office/drawing/2014/main" id="{6130B33B-FCB5-4AFA-8175-BA08126D80E1}"/>
+                <a16:creationId xmlns:a16="http://schemas.microsoft.com/office/drawing/2014/main" xmlns="" id="{6130B33B-FCB5-4AFA-8175-BA08126D80E1}"/>
               </a:ext>
             </a:extLst>
           </p:cNvPr>
@@ -6344,7 +6344,7 @@
           <p:cNvPr id="3" name="组合 2">
             <a:extLst>
               <a:ext uri="{FF2B5EF4-FFF2-40B4-BE49-F238E27FC236}">
-                <a16:creationId xmlns="" xmlns:a16="http://schemas.microsoft.com/office/drawing/2014/main" id="{CF3B8F59-C87E-48F7-911B-3FCC3B1922F9}"/>
+                <a16:creationId xmlns:a16="http://schemas.microsoft.com/office/drawing/2014/main" xmlns="" id="{CF3B8F59-C87E-48F7-911B-3FCC3B1922F9}"/>
               </a:ext>
             </a:extLst>
           </p:cNvPr>
@@ -6364,7 +6364,7 @@
             <p:cNvPr id="4" name="文本框 3">
               <a:extLst>
                 <a:ext uri="{FF2B5EF4-FFF2-40B4-BE49-F238E27FC236}">
-                  <a16:creationId xmlns="" xmlns:a16="http://schemas.microsoft.com/office/drawing/2014/main" id="{F069F7C5-7C6B-4416-BA43-7E9FF2B95F70}"/>
+                  <a16:creationId xmlns:a16="http://schemas.microsoft.com/office/drawing/2014/main" xmlns="" id="{F069F7C5-7C6B-4416-BA43-7E9FF2B95F70}"/>
                 </a:ext>
               </a:extLst>
             </p:cNvPr>
@@ -6406,7 +6406,7 @@
             <p:cNvPr id="5" name="文本框 4">
               <a:extLst>
                 <a:ext uri="{FF2B5EF4-FFF2-40B4-BE49-F238E27FC236}">
-                  <a16:creationId xmlns="" xmlns:a16="http://schemas.microsoft.com/office/drawing/2014/main" id="{E7404F6D-3A40-4203-8F0A-6169C74FB4CA}"/>
+                  <a16:creationId xmlns:a16="http://schemas.microsoft.com/office/drawing/2014/main" xmlns="" id="{E7404F6D-3A40-4203-8F0A-6169C74FB4CA}"/>
                 </a:ext>
               </a:extLst>
             </p:cNvPr>
@@ -6579,7 +6579,7 @@
         <p:random/>
       </p:transition>
     </mc:Choice>
-    <mc:Fallback xmlns:a14="http://schemas.microsoft.com/office/drawing/2010/main" xmlns:a16="http://schemas.microsoft.com/office/drawing/2014/main" xmlns="">
+    <mc:Fallback xmlns="" xmlns:a16="http://schemas.microsoft.com/office/drawing/2014/main" xmlns:a14="http://schemas.microsoft.com/office/drawing/2010/main">
       <p:transition spd="slow" advTm="3414">
         <p:random/>
       </p:transition>
@@ -6749,7 +6749,7 @@
           <p:cNvPr id="2" name="矩形 1">
             <a:extLst>
               <a:ext uri="{FF2B5EF4-FFF2-40B4-BE49-F238E27FC236}">
-                <a16:creationId xmlns="" xmlns:a16="http://schemas.microsoft.com/office/drawing/2014/main" id="{6130B33B-FCB5-4AFA-8175-BA08126D80E1}"/>
+                <a16:creationId xmlns:a16="http://schemas.microsoft.com/office/drawing/2014/main" xmlns="" id="{6130B33B-FCB5-4AFA-8175-BA08126D80E1}"/>
               </a:ext>
             </a:extLst>
           </p:cNvPr>
@@ -6807,7 +6807,7 @@
           <p:cNvPr id="3" name="组合 2">
             <a:extLst>
               <a:ext uri="{FF2B5EF4-FFF2-40B4-BE49-F238E27FC236}">
-                <a16:creationId xmlns="" xmlns:a16="http://schemas.microsoft.com/office/drawing/2014/main" id="{CF3B8F59-C87E-48F7-911B-3FCC3B1922F9}"/>
+                <a16:creationId xmlns:a16="http://schemas.microsoft.com/office/drawing/2014/main" xmlns="" id="{CF3B8F59-C87E-48F7-911B-3FCC3B1922F9}"/>
               </a:ext>
             </a:extLst>
           </p:cNvPr>
@@ -6827,7 +6827,7 @@
             <p:cNvPr id="4" name="文本框 3">
               <a:extLst>
                 <a:ext uri="{FF2B5EF4-FFF2-40B4-BE49-F238E27FC236}">
-                  <a16:creationId xmlns="" xmlns:a16="http://schemas.microsoft.com/office/drawing/2014/main" id="{F069F7C5-7C6B-4416-BA43-7E9FF2B95F70}"/>
+                  <a16:creationId xmlns:a16="http://schemas.microsoft.com/office/drawing/2014/main" xmlns="" id="{F069F7C5-7C6B-4416-BA43-7E9FF2B95F70}"/>
                 </a:ext>
               </a:extLst>
             </p:cNvPr>
@@ -6869,7 +6869,7 @@
             <p:cNvPr id="5" name="文本框 4">
               <a:extLst>
                 <a:ext uri="{FF2B5EF4-FFF2-40B4-BE49-F238E27FC236}">
-                  <a16:creationId xmlns="" xmlns:a16="http://schemas.microsoft.com/office/drawing/2014/main" id="{E7404F6D-3A40-4203-8F0A-6169C74FB4CA}"/>
+                  <a16:creationId xmlns:a16="http://schemas.microsoft.com/office/drawing/2014/main" xmlns="" id="{E7404F6D-3A40-4203-8F0A-6169C74FB4CA}"/>
                 </a:ext>
               </a:extLst>
             </p:cNvPr>
@@ -6988,7 +6988,7 @@
         <p:random/>
       </p:transition>
     </mc:Choice>
-    <mc:Fallback xmlns:a14="http://schemas.microsoft.com/office/drawing/2010/main" xmlns:a16="http://schemas.microsoft.com/office/drawing/2014/main" xmlns="">
+    <mc:Fallback xmlns="" xmlns:a16="http://schemas.microsoft.com/office/drawing/2014/main" xmlns:a14="http://schemas.microsoft.com/office/drawing/2010/main">
       <p:transition spd="slow" advTm="3414">
         <p:random/>
       </p:transition>
@@ -7158,7 +7158,7 @@
           <p:cNvPr id="18" name="矩形: 圆角 17">
             <a:extLst>
               <a:ext uri="{FF2B5EF4-FFF2-40B4-BE49-F238E27FC236}">
-                <a16:creationId xmlns:a16="http://schemas.microsoft.com/office/drawing/2014/main" xmlns="" id="{822EAB1A-0613-4B84-B43A-020769A84C2F}"/>
+                <a16:creationId xmlns="" xmlns:a16="http://schemas.microsoft.com/office/drawing/2014/main" id="{822EAB1A-0613-4B84-B43A-020769A84C2F}"/>
               </a:ext>
             </a:extLst>
           </p:cNvPr>
@@ -7249,7 +7249,7 @@
           <p:cNvPr id="4" name="矩形: 圆角 3">
             <a:extLst>
               <a:ext uri="{FF2B5EF4-FFF2-40B4-BE49-F238E27FC236}">
-                <a16:creationId xmlns:a16="http://schemas.microsoft.com/office/drawing/2014/main" xmlns="" id="{CFAF4C25-9AB4-4329-B21C-0F7CB88F0784}"/>
+                <a16:creationId xmlns="" xmlns:a16="http://schemas.microsoft.com/office/drawing/2014/main" id="{CFAF4C25-9AB4-4329-B21C-0F7CB88F0784}"/>
               </a:ext>
             </a:extLst>
           </p:cNvPr>
@@ -7340,7 +7340,7 @@
           <p:cNvPr id="7" name="文本框 6">
             <a:extLst>
               <a:ext uri="{FF2B5EF4-FFF2-40B4-BE49-F238E27FC236}">
-                <a16:creationId xmlns:a16="http://schemas.microsoft.com/office/drawing/2014/main" xmlns="" id="{D2947702-0219-4F74-958A-0A5A704ECCC4}"/>
+                <a16:creationId xmlns="" xmlns:a16="http://schemas.microsoft.com/office/drawing/2014/main" id="{D2947702-0219-4F74-958A-0A5A704ECCC4}"/>
               </a:ext>
             </a:extLst>
           </p:cNvPr>
@@ -7417,7 +7417,7 @@
           <p:cNvPr id="8" name="椭圆 7">
             <a:extLst>
               <a:ext uri="{FF2B5EF4-FFF2-40B4-BE49-F238E27FC236}">
-                <a16:creationId xmlns:a16="http://schemas.microsoft.com/office/drawing/2014/main" xmlns="" id="{08B93554-9443-4291-83BC-91BEC5088783}"/>
+                <a16:creationId xmlns="" xmlns:a16="http://schemas.microsoft.com/office/drawing/2014/main" id="{08B93554-9443-4291-83BC-91BEC5088783}"/>
               </a:ext>
             </a:extLst>
           </p:cNvPr>
@@ -7504,7 +7504,7 @@
           <p:cNvPr id="9" name="椭圆 8">
             <a:extLst>
               <a:ext uri="{FF2B5EF4-FFF2-40B4-BE49-F238E27FC236}">
-                <a16:creationId xmlns:a16="http://schemas.microsoft.com/office/drawing/2014/main" xmlns="" id="{16338DEE-2916-4AC7-A537-1507B9F2A824}"/>
+                <a16:creationId xmlns="" xmlns:a16="http://schemas.microsoft.com/office/drawing/2014/main" id="{16338DEE-2916-4AC7-A537-1507B9F2A824}"/>
               </a:ext>
             </a:extLst>
           </p:cNvPr>
@@ -7605,7 +7605,7 @@
         <p:random/>
       </p:transition>
     </mc:Choice>
-    <mc:Fallback xmlns="" xmlns:a16="http://schemas.microsoft.com/office/drawing/2014/main">
+    <mc:Fallback xmlns:a16="http://schemas.microsoft.com/office/drawing/2014/main" xmlns="">
       <p:transition spd="slow" advTm="3880">
         <p:random/>
       </p:transition>
@@ -7971,7 +7971,7 @@
   <a:extraClrSchemeLst/>
   <a:extLst>
     <a:ext uri="{05A4C25C-085E-4340-85A3-A5531E510DB2}">
-      <thm15:themeFamily xmlns:thm15="http://schemas.microsoft.com/office/thememl/2012/main" xmlns="" name="Office Theme" id="{62F939B6-93AF-4DB8-9C6B-D6C7DFDC589F}" vid="{4A3C46E8-61CC-4603-A589-7422A47A8E4A}"/>
+      <thm15:themeFamily xmlns="" xmlns:thm15="http://schemas.microsoft.com/office/thememl/2012/main" name="Office Theme" id="{62F939B6-93AF-4DB8-9C6B-D6C7DFDC589F}" vid="{4A3C46E8-61CC-4603-A589-7422A47A8E4A}"/>
     </a:ext>
   </a:extLst>
 </a:theme>
@@ -8517,7 +8517,7 @@
   <a:extraClrSchemeLst/>
   <a:extLst>
     <a:ext uri="{05A4C25C-085E-4340-85A3-A5531E510DB2}">
-      <thm15:themeFamily xmlns:thm15="http://schemas.microsoft.com/office/thememl/2012/main" xmlns="" name="Office Theme" id="{62F939B6-93AF-4DB8-9C6B-D6C7DFDC589F}" vid="{4A3C46E8-61CC-4603-A589-7422A47A8E4A}"/>
+      <thm15:themeFamily xmlns="" xmlns:thm15="http://schemas.microsoft.com/office/thememl/2012/main" name="Office Theme" id="{62F939B6-93AF-4DB8-9C6B-D6C7DFDC589F}" vid="{4A3C46E8-61CC-4603-A589-7422A47A8E4A}"/>
     </a:ext>
   </a:extLst>
 </a:theme>
